--- a/assets/menu.pptx
+++ b/assets/menu.pptx
@@ -104,6 +104,11 @@
       </a:defRPr>
     </a:lvl9pPr>
   </p:defaultTextStyle>
+  <p:extLst>
+    <p:ext uri="{EFAFB233-063F-42B5-8137-9DF3F51BA10A}">
+      <p15:sldGuideLst xmlns:p15="http://schemas.microsoft.com/office/powerpoint/2012/main"/>
+    </p:ext>
+  </p:extLst>
 </p:presentation>
 </file>
 
@@ -254,7 +259,7 @@
           <a:p>
             <a:fld id="{704DDED2-D78A-4D15-9AC8-D528F7F4C5AE}" type="datetimeFigureOut">
               <a:rPr lang="fr-FR" smtClean="0"/>
-              <a:t>19/02/2023</a:t>
+              <a:t>22/03/2023</a:t>
             </a:fld>
             <a:endParaRPr lang="fr-FR"/>
           </a:p>
@@ -452,7 +457,7 @@
           <a:p>
             <a:fld id="{704DDED2-D78A-4D15-9AC8-D528F7F4C5AE}" type="datetimeFigureOut">
               <a:rPr lang="fr-FR" smtClean="0"/>
-              <a:t>19/02/2023</a:t>
+              <a:t>22/03/2023</a:t>
             </a:fld>
             <a:endParaRPr lang="fr-FR"/>
           </a:p>
@@ -660,7 +665,7 @@
           <a:p>
             <a:fld id="{704DDED2-D78A-4D15-9AC8-D528F7F4C5AE}" type="datetimeFigureOut">
               <a:rPr lang="fr-FR" smtClean="0"/>
-              <a:t>19/02/2023</a:t>
+              <a:t>22/03/2023</a:t>
             </a:fld>
             <a:endParaRPr lang="fr-FR"/>
           </a:p>
@@ -858,7 +863,7 @@
           <a:p>
             <a:fld id="{704DDED2-D78A-4D15-9AC8-D528F7F4C5AE}" type="datetimeFigureOut">
               <a:rPr lang="fr-FR" smtClean="0"/>
-              <a:t>19/02/2023</a:t>
+              <a:t>22/03/2023</a:t>
             </a:fld>
             <a:endParaRPr lang="fr-FR"/>
           </a:p>
@@ -1133,7 +1138,7 @@
           <a:p>
             <a:fld id="{704DDED2-D78A-4D15-9AC8-D528F7F4C5AE}" type="datetimeFigureOut">
               <a:rPr lang="fr-FR" smtClean="0"/>
-              <a:t>19/02/2023</a:t>
+              <a:t>22/03/2023</a:t>
             </a:fld>
             <a:endParaRPr lang="fr-FR"/>
           </a:p>
@@ -1398,7 +1403,7 @@
           <a:p>
             <a:fld id="{704DDED2-D78A-4D15-9AC8-D528F7F4C5AE}" type="datetimeFigureOut">
               <a:rPr lang="fr-FR" smtClean="0"/>
-              <a:t>19/02/2023</a:t>
+              <a:t>22/03/2023</a:t>
             </a:fld>
             <a:endParaRPr lang="fr-FR"/>
           </a:p>
@@ -1810,7 +1815,7 @@
           <a:p>
             <a:fld id="{704DDED2-D78A-4D15-9AC8-D528F7F4C5AE}" type="datetimeFigureOut">
               <a:rPr lang="fr-FR" smtClean="0"/>
-              <a:t>19/02/2023</a:t>
+              <a:t>22/03/2023</a:t>
             </a:fld>
             <a:endParaRPr lang="fr-FR"/>
           </a:p>
@@ -1951,7 +1956,7 @@
           <a:p>
             <a:fld id="{704DDED2-D78A-4D15-9AC8-D528F7F4C5AE}" type="datetimeFigureOut">
               <a:rPr lang="fr-FR" smtClean="0"/>
-              <a:t>19/02/2023</a:t>
+              <a:t>22/03/2023</a:t>
             </a:fld>
             <a:endParaRPr lang="fr-FR"/>
           </a:p>
@@ -2064,7 +2069,7 @@
           <a:p>
             <a:fld id="{704DDED2-D78A-4D15-9AC8-D528F7F4C5AE}" type="datetimeFigureOut">
               <a:rPr lang="fr-FR" smtClean="0"/>
-              <a:t>19/02/2023</a:t>
+              <a:t>22/03/2023</a:t>
             </a:fld>
             <a:endParaRPr lang="fr-FR"/>
           </a:p>
@@ -2375,7 +2380,7 @@
           <a:p>
             <a:fld id="{704DDED2-D78A-4D15-9AC8-D528F7F4C5AE}" type="datetimeFigureOut">
               <a:rPr lang="fr-FR" smtClean="0"/>
-              <a:t>19/02/2023</a:t>
+              <a:t>22/03/2023</a:t>
             </a:fld>
             <a:endParaRPr lang="fr-FR"/>
           </a:p>
@@ -2663,7 +2668,7 @@
           <a:p>
             <a:fld id="{704DDED2-D78A-4D15-9AC8-D528F7F4C5AE}" type="datetimeFigureOut">
               <a:rPr lang="fr-FR" smtClean="0"/>
-              <a:t>19/02/2023</a:t>
+              <a:t>22/03/2023</a:t>
             </a:fld>
             <a:endParaRPr lang="fr-FR"/>
           </a:p>
@@ -2904,7 +2909,7 @@
           <a:p>
             <a:fld id="{704DDED2-D78A-4D15-9AC8-D528F7F4C5AE}" type="datetimeFigureOut">
               <a:rPr lang="fr-FR" smtClean="0"/>
-              <a:t>19/02/2023</a:t>
+              <a:t>22/03/2023</a:t>
             </a:fld>
             <a:endParaRPr lang="fr-FR"/>
           </a:p>
@@ -4168,6 +4173,127 @@
           </a:prstGeom>
         </p:spPr>
       </p:pic>
+      <p:pic>
+        <p:nvPicPr>
+          <p:cNvPr id="2" name="Image 1">
+            <a:extLst>
+              <a:ext uri="{FF2B5EF4-FFF2-40B4-BE49-F238E27FC236}">
+                <a16:creationId xmlns:a16="http://schemas.microsoft.com/office/drawing/2014/main" id="{381BACD8-18B9-94F1-EC2F-93C12698CBD7}"/>
+              </a:ext>
+            </a:extLst>
+          </p:cNvPr>
+          <p:cNvPicPr>
+            <a:picLocks noChangeAspect="1"/>
+          </p:cNvPicPr>
+          <p:nvPr/>
+        </p:nvPicPr>
+        <p:blipFill>
+          <a:blip r:embed="rId2">
+            <a:extLst>
+              <a:ext uri="{28A0092B-C50C-407E-A947-70E740481C1C}">
+                <a14:useLocalDpi xmlns:a14="http://schemas.microsoft.com/office/drawing/2010/main" val="0"/>
+              </a:ext>
+            </a:extLst>
+          </a:blip>
+          <a:stretch>
+            <a:fillRect/>
+          </a:stretch>
+        </p:blipFill>
+        <p:spPr>
+          <a:xfrm>
+            <a:off x="6133859" y="3055445"/>
+            <a:ext cx="5013434" cy="1143000"/>
+          </a:xfrm>
+          <a:prstGeom prst="rect">
+            <a:avLst/>
+          </a:prstGeom>
+        </p:spPr>
+      </p:pic>
+      <p:sp>
+        <p:nvSpPr>
+          <p:cNvPr id="3" name="ZoneTexte 2">
+            <a:extLst>
+              <a:ext uri="{FF2B5EF4-FFF2-40B4-BE49-F238E27FC236}">
+                <a16:creationId xmlns:a16="http://schemas.microsoft.com/office/drawing/2014/main" id="{BC39E1F6-0C23-53AC-AE10-1C0F7663B889}"/>
+              </a:ext>
+            </a:extLst>
+          </p:cNvPr>
+          <p:cNvSpPr txBox="1"/>
+          <p:nvPr/>
+        </p:nvSpPr>
+        <p:spPr>
+          <a:xfrm>
+            <a:off x="7028793" y="3277841"/>
+            <a:ext cx="3708596" cy="830997"/>
+          </a:xfrm>
+          <a:prstGeom prst="rect">
+            <a:avLst/>
+          </a:prstGeom>
+          <a:noFill/>
+        </p:spPr>
+        <p:txBody>
+          <a:bodyPr wrap="square" rtlCol="0">
+            <a:spAutoFit/>
+          </a:bodyPr>
+          <a:lstStyle/>
+          <a:p>
+            <a:pPr algn="r"/>
+            <a:r>
+              <a:rPr lang="fr-FR" sz="4800" dirty="0">
+                <a:solidFill>
+                  <a:schemeClr val="bg1"/>
+                </a:solidFill>
+                <a:latin typeface="Kalinga" panose="020B0502040204020203" pitchFamily="34" charset="0"/>
+                <a:cs typeface="Kalinga" panose="020B0502040204020203" pitchFamily="34" charset="0"/>
+              </a:rPr>
+              <a:t>Account</a:t>
+            </a:r>
+            <a:endParaRPr lang="fr-FR" dirty="0">
+              <a:solidFill>
+                <a:schemeClr val="bg1"/>
+              </a:solidFill>
+              <a:latin typeface="Kalinga" panose="020B0502040204020203" pitchFamily="34" charset="0"/>
+              <a:cs typeface="Kalinga" panose="020B0502040204020203" pitchFamily="34" charset="0"/>
+            </a:endParaRPr>
+          </a:p>
+        </p:txBody>
+      </p:sp>
+      <p:pic>
+        <p:nvPicPr>
+          <p:cNvPr id="10" name="Image 9" descr="Une image contenant sombre, léger&#10;&#10;Description générée automatiquement">
+            <a:extLst>
+              <a:ext uri="{FF2B5EF4-FFF2-40B4-BE49-F238E27FC236}">
+                <a16:creationId xmlns:a16="http://schemas.microsoft.com/office/drawing/2014/main" id="{400D729D-47E4-C83E-BC9C-28DEFD060DE2}"/>
+              </a:ext>
+            </a:extLst>
+          </p:cNvPr>
+          <p:cNvPicPr>
+            <a:picLocks noChangeAspect="1"/>
+          </p:cNvPicPr>
+          <p:nvPr/>
+        </p:nvPicPr>
+        <p:blipFill>
+          <a:blip r:embed="rId10">
+            <a:extLst>
+              <a:ext uri="{28A0092B-C50C-407E-A947-70E740481C1C}">
+                <a14:useLocalDpi xmlns:a14="http://schemas.microsoft.com/office/drawing/2010/main" val="0"/>
+              </a:ext>
+            </a:extLst>
+          </a:blip>
+          <a:stretch>
+            <a:fillRect/>
+          </a:stretch>
+        </p:blipFill>
+        <p:spPr>
+          <a:xfrm>
+            <a:off x="6587370" y="3123062"/>
+            <a:ext cx="1007766" cy="1007766"/>
+          </a:xfrm>
+          <a:prstGeom prst="rect">
+            <a:avLst/>
+          </a:prstGeom>
+        </p:spPr>
+      </p:pic>
     </p:spTree>
     <p:extLst>
       <p:ext uri="{BB962C8B-B14F-4D97-AF65-F5344CB8AC3E}">
